--- a/PresentationProgGenerik.pptx
+++ b/PresentationProgGenerik.pptx
@@ -5,15 +5,21 @@
     <p:sldMasterId id="2147483792" r:id="rId1"/>
   </p:sldMasterIdLst>
   <p:notesMasterIdLst>
-    <p:notesMasterId r:id="rId5"/>
+    <p:notesMasterId r:id="rId11"/>
   </p:notesMasterIdLst>
   <p:handoutMasterIdLst>
-    <p:handoutMasterId r:id="rId6"/>
+    <p:handoutMasterId r:id="rId12"/>
   </p:handoutMasterIdLst>
   <p:sldIdLst>
     <p:sldId id="256" r:id="rId2"/>
     <p:sldId id="257" r:id="rId3"/>
     <p:sldId id="258" r:id="rId4"/>
+    <p:sldId id="259" r:id="rId5"/>
+    <p:sldId id="260" r:id="rId6"/>
+    <p:sldId id="261" r:id="rId7"/>
+    <p:sldId id="262" r:id="rId8"/>
+    <p:sldId id="263" r:id="rId9"/>
+    <p:sldId id="264" r:id="rId10"/>
   </p:sldIdLst>
   <p:sldSz cx="9144000" cy="6858000" type="screen4x3"/>
   <p:notesSz cx="6858000" cy="9144000"/>
@@ -14572,7 +14578,12 @@
             <p:ph type="title"/>
           </p:nvPr>
         </p:nvSpPr>
-        <p:spPr/>
+        <p:spPr>
+          <a:xfrm>
+            <a:off x="1043490" y="1027664"/>
+            <a:ext cx="7024744" cy="991636"/>
+          </a:xfrm>
+        </p:spPr>
         <p:txBody>
           <a:bodyPr/>
           <a:lstStyle/>
@@ -14630,7 +14641,7 @@
           <a:p>
             <a:r>
               <a:rPr lang="fr-FR" dirty="0" smtClean="0"/>
-              <a:t>Démonstration</a:t>
+              <a:t>Aide à la manipulation</a:t>
             </a:r>
             <a:endParaRPr lang="fr-FR" dirty="0"/>
           </a:p>
@@ -14746,9 +14757,16 @@
             <p:ph type="title"/>
           </p:nvPr>
         </p:nvSpPr>
-        <p:spPr/>
+        <p:spPr>
+          <a:xfrm>
+            <a:off x="1043490" y="990600"/>
+            <a:ext cx="7024744" cy="850900"/>
+          </a:xfrm>
+        </p:spPr>
         <p:txBody>
-          <a:bodyPr/>
+          <a:bodyPr>
+            <a:normAutofit/>
+          </a:bodyPr>
           <a:lstStyle/>
           <a:p>
             <a:r>
@@ -14776,15 +14794,37 @@
           <a:p>
             <a:r>
               <a:rPr lang="fr-FR" dirty="0" smtClean="0"/>
-              <a:t>B</a:t>
-            </a:r>
+              <a:t>Créer une bibliothèque logicielle C++</a:t>
+            </a:r>
+          </a:p>
+          <a:p>
             <a:r>
               <a:rPr lang="fr-FR" dirty="0" smtClean="0"/>
-              <a:t>la </a:t>
-            </a:r>
-            <a:r>
-              <a:rPr lang="fr-FR" dirty="0" err="1" smtClean="0"/>
-              <a:t>bla</a:t>
+              <a:t>Programmation générique</a:t>
+            </a:r>
+          </a:p>
+          <a:p>
+            <a:endParaRPr lang="fr-FR" dirty="0"/>
+          </a:p>
+          <a:p>
+            <a:r>
+              <a:rPr lang="fr-FR" dirty="0" smtClean="0"/>
+              <a:t>Conteneurs multidimensionnels</a:t>
+            </a:r>
+          </a:p>
+          <a:p>
+            <a:r>
+              <a:rPr lang="fr-FR" dirty="0" smtClean="0"/>
+              <a:t>Tableaux à N dimensions</a:t>
+            </a:r>
+          </a:p>
+          <a:p>
+            <a:endParaRPr lang="fr-FR" dirty="0" smtClean="0"/>
+          </a:p>
+          <a:p>
+            <a:r>
+              <a:rPr lang="fr-FR" dirty="0" smtClean="0"/>
+              <a:t>Gestion homogène de tout type de conteneurs</a:t>
             </a:r>
             <a:endParaRPr lang="fr-FR" dirty="0"/>
           </a:p>
@@ -14864,6 +14904,1189 @@
     <p:extLst>
       <p:ext uri="{BB962C8B-B14F-4D97-AF65-F5344CB8AC3E}">
         <p14:creationId xmlns:p14="http://schemas.microsoft.com/office/powerpoint/2010/main" val="2856424184"/>
+      </p:ext>
+    </p:extLst>
+  </p:cSld>
+  <p:clrMapOvr>
+    <a:masterClrMapping/>
+  </p:clrMapOvr>
+</p:sld>
+</file>
+
+<file path=ppt/slides/slide4.xml><?xml version="1.0" encoding="utf-8"?>
+<p:sld xmlns:a="http://schemas.openxmlformats.org/drawingml/2006/main" xmlns:r="http://schemas.openxmlformats.org/officeDocument/2006/relationships" xmlns:p="http://schemas.openxmlformats.org/presentationml/2006/main">
+  <p:cSld>
+    <p:spTree>
+      <p:nvGrpSpPr>
+        <p:cNvPr id="1" name=""/>
+        <p:cNvGrpSpPr/>
+        <p:nvPr/>
+      </p:nvGrpSpPr>
+      <p:grpSpPr>
+        <a:xfrm>
+          <a:off x="0" y="0"/>
+          <a:ext cx="0" cy="0"/>
+          <a:chOff x="0" y="0"/>
+          <a:chExt cx="0" cy="0"/>
+        </a:xfrm>
+      </p:grpSpPr>
+      <p:sp>
+        <p:nvSpPr>
+          <p:cNvPr id="2" name="Titre 1"/>
+          <p:cNvSpPr>
+            <a:spLocks noGrp="1"/>
+          </p:cNvSpPr>
+          <p:nvPr>
+            <p:ph type="title"/>
+          </p:nvPr>
+        </p:nvSpPr>
+        <p:spPr/>
+        <p:txBody>
+          <a:bodyPr/>
+          <a:lstStyle/>
+          <a:p>
+            <a:r>
+              <a:rPr lang="fr-FR" dirty="0" smtClean="0"/>
+              <a:t>Organisation</a:t>
+            </a:r>
+            <a:endParaRPr lang="fr-FR" dirty="0"/>
+          </a:p>
+        </p:txBody>
+      </p:sp>
+      <p:sp>
+        <p:nvSpPr>
+          <p:cNvPr id="3" name="Espace réservé du contenu 2"/>
+          <p:cNvSpPr>
+            <a:spLocks noGrp="1"/>
+          </p:cNvSpPr>
+          <p:nvPr>
+            <p:ph idx="1"/>
+          </p:nvPr>
+        </p:nvSpPr>
+        <p:spPr>
+          <a:xfrm>
+            <a:off x="1043492" y="2451100"/>
+            <a:ext cx="6777317" cy="3381529"/>
+          </a:xfrm>
+        </p:spPr>
+        <p:txBody>
+          <a:bodyPr/>
+          <a:lstStyle/>
+          <a:p>
+            <a:r>
+              <a:rPr lang="fr-FR" dirty="0" smtClean="0"/>
+              <a:t>Mise en place d’un dépôt GITHUB</a:t>
+            </a:r>
+          </a:p>
+          <a:p>
+            <a:endParaRPr lang="fr-FR" dirty="0"/>
+          </a:p>
+          <a:p>
+            <a:r>
+              <a:rPr lang="fr-FR" dirty="0" smtClean="0"/>
+              <a:t>Répertoires Sources : « </a:t>
+            </a:r>
+            <a:r>
+              <a:rPr lang="fr-FR" dirty="0" err="1" smtClean="0"/>
+              <a:t>src</a:t>
+            </a:r>
+            <a:r>
+              <a:rPr lang="fr-FR" dirty="0" smtClean="0"/>
+              <a:t> » et « </a:t>
+            </a:r>
+            <a:r>
+              <a:rPr lang="fr-FR" dirty="0" err="1" smtClean="0"/>
+              <a:t>include</a:t>
+            </a:r>
+            <a:r>
+              <a:rPr lang="fr-FR" dirty="0" smtClean="0"/>
+              <a:t> »</a:t>
+            </a:r>
+          </a:p>
+          <a:p>
+            <a:endParaRPr lang="fr-FR" dirty="0"/>
+          </a:p>
+          <a:p>
+            <a:r>
+              <a:rPr lang="fr-FR" dirty="0" smtClean="0"/>
+              <a:t>Répertoire de tests : « tests »</a:t>
+            </a:r>
+          </a:p>
+          <a:p>
+            <a:endParaRPr lang="fr-FR" dirty="0"/>
+          </a:p>
+          <a:p>
+            <a:r>
+              <a:rPr lang="fr-FR" dirty="0" smtClean="0"/>
+              <a:t>Les fichiers </a:t>
+            </a:r>
+            <a:r>
+              <a:rPr lang="fr-FR" dirty="0" err="1" smtClean="0"/>
+              <a:t>Makefile</a:t>
+            </a:r>
+            <a:endParaRPr lang="fr-FR" dirty="0" smtClean="0"/>
+          </a:p>
+        </p:txBody>
+      </p:sp>
+      <p:sp>
+        <p:nvSpPr>
+          <p:cNvPr id="4" name="Espace réservé de la date 3"/>
+          <p:cNvSpPr>
+            <a:spLocks noGrp="1"/>
+          </p:cNvSpPr>
+          <p:nvPr>
+            <p:ph type="dt" sz="half" idx="10"/>
+          </p:nvPr>
+        </p:nvSpPr>
+        <p:spPr/>
+        <p:txBody>
+          <a:bodyPr/>
+          <a:lstStyle/>
+          <a:p>
+            <a:r>
+              <a:rPr lang="fr-FR" smtClean="0"/>
+              <a:t>31 janvier 2012</a:t>
+            </a:r>
+            <a:endParaRPr lang="en-US"/>
+          </a:p>
+        </p:txBody>
+      </p:sp>
+      <p:sp>
+        <p:nvSpPr>
+          <p:cNvPr id="5" name="Espace réservé du pied de page 4"/>
+          <p:cNvSpPr>
+            <a:spLocks noGrp="1"/>
+          </p:cNvSpPr>
+          <p:nvPr>
+            <p:ph type="ftr" sz="quarter" idx="11"/>
+          </p:nvPr>
+        </p:nvSpPr>
+        <p:spPr/>
+        <p:txBody>
+          <a:bodyPr/>
+          <a:lstStyle/>
+          <a:p>
+            <a:r>
+              <a:rPr lang="fr-FR" smtClean="0"/>
+              <a:t>Programmation générique</a:t>
+            </a:r>
+            <a:endParaRPr lang="en-US"/>
+          </a:p>
+        </p:txBody>
+      </p:sp>
+      <p:sp>
+        <p:nvSpPr>
+          <p:cNvPr id="6" name="Espace réservé du numéro de diapositive 5"/>
+          <p:cNvSpPr>
+            <a:spLocks noGrp="1"/>
+          </p:cNvSpPr>
+          <p:nvPr>
+            <p:ph type="sldNum" sz="quarter" idx="12"/>
+          </p:nvPr>
+        </p:nvSpPr>
+        <p:spPr/>
+        <p:txBody>
+          <a:bodyPr/>
+          <a:lstStyle/>
+          <a:p>
+            <a:fld id="{8B37D5FE-740C-46F5-801A-FA5477D9711F}" type="slidenum">
+              <a:rPr lang="en-US" smtClean="0"/>
+              <a:pPr/>
+              <a:t>4</a:t>
+            </a:fld>
+            <a:endParaRPr lang="en-US"/>
+          </a:p>
+        </p:txBody>
+      </p:sp>
+    </p:spTree>
+    <p:extLst>
+      <p:ext uri="{BB962C8B-B14F-4D97-AF65-F5344CB8AC3E}">
+        <p14:creationId xmlns:p14="http://schemas.microsoft.com/office/powerpoint/2010/main" val="25221567"/>
+      </p:ext>
+    </p:extLst>
+  </p:cSld>
+  <p:clrMapOvr>
+    <a:masterClrMapping/>
+  </p:clrMapOvr>
+</p:sld>
+</file>
+
+<file path=ppt/slides/slide5.xml><?xml version="1.0" encoding="utf-8"?>
+<p:sld xmlns:a="http://schemas.openxmlformats.org/drawingml/2006/main" xmlns:r="http://schemas.openxmlformats.org/officeDocument/2006/relationships" xmlns:p="http://schemas.openxmlformats.org/presentationml/2006/main">
+  <p:cSld>
+    <p:spTree>
+      <p:nvGrpSpPr>
+        <p:cNvPr id="1" name=""/>
+        <p:cNvGrpSpPr/>
+        <p:nvPr/>
+      </p:nvGrpSpPr>
+      <p:grpSpPr>
+        <a:xfrm>
+          <a:off x="0" y="0"/>
+          <a:ext cx="0" cy="0"/>
+          <a:chOff x="0" y="0"/>
+          <a:chExt cx="0" cy="0"/>
+        </a:xfrm>
+      </p:grpSpPr>
+      <p:sp>
+        <p:nvSpPr>
+          <p:cNvPr id="2" name="Titre 1"/>
+          <p:cNvSpPr>
+            <a:spLocks noGrp="1"/>
+          </p:cNvSpPr>
+          <p:nvPr>
+            <p:ph type="title"/>
+          </p:nvPr>
+        </p:nvSpPr>
+        <p:spPr/>
+        <p:txBody>
+          <a:bodyPr/>
+          <a:lstStyle/>
+          <a:p>
+            <a:r>
+              <a:rPr lang="fr-FR" dirty="0" smtClean="0"/>
+              <a:t>Démarche</a:t>
+            </a:r>
+            <a:endParaRPr lang="fr-FR" dirty="0"/>
+          </a:p>
+        </p:txBody>
+      </p:sp>
+      <p:sp>
+        <p:nvSpPr>
+          <p:cNvPr id="3" name="Espace réservé du contenu 2"/>
+          <p:cNvSpPr>
+            <a:spLocks noGrp="1"/>
+          </p:cNvSpPr>
+          <p:nvPr>
+            <p:ph idx="1"/>
+          </p:nvPr>
+        </p:nvSpPr>
+        <p:spPr>
+          <a:xfrm>
+            <a:off x="1043492" y="2527300"/>
+            <a:ext cx="6777317" cy="3305329"/>
+          </a:xfrm>
+        </p:spPr>
+        <p:txBody>
+          <a:bodyPr>
+            <a:normAutofit/>
+          </a:bodyPr>
+          <a:lstStyle/>
+          <a:p>
+            <a:r>
+              <a:rPr lang="fr-FR" dirty="0" smtClean="0"/>
+              <a:t>Trois </a:t>
+            </a:r>
+            <a:r>
+              <a:rPr lang="fr-FR" dirty="0"/>
+              <a:t>catégories </a:t>
+            </a:r>
+            <a:r>
+              <a:rPr lang="fr-FR" dirty="0" smtClean="0"/>
+              <a:t>de conteneurs:</a:t>
+            </a:r>
+          </a:p>
+          <a:p>
+            <a:endParaRPr lang="fr-FR" dirty="0"/>
+          </a:p>
+          <a:p>
+            <a:pPr lvl="1"/>
+            <a:r>
+              <a:rPr lang="fr-FR" dirty="0"/>
+              <a:t>Les classes de conteneur génériques.</a:t>
+            </a:r>
+          </a:p>
+          <a:p>
+            <a:pPr lvl="1"/>
+            <a:r>
+              <a:rPr lang="fr-FR" dirty="0"/>
+              <a:t>Les tableaux natifs du langage.</a:t>
+            </a:r>
+          </a:p>
+          <a:p>
+            <a:pPr lvl="1"/>
+            <a:r>
+              <a:rPr lang="fr-FR" dirty="0"/>
+              <a:t>Les pointeurs sur des séries d’éléments contigus en mémoire.</a:t>
+            </a:r>
+          </a:p>
+          <a:p>
+            <a:endParaRPr lang="fr-FR" dirty="0"/>
+          </a:p>
+        </p:txBody>
+      </p:sp>
+      <p:sp>
+        <p:nvSpPr>
+          <p:cNvPr id="4" name="Espace réservé de la date 3"/>
+          <p:cNvSpPr>
+            <a:spLocks noGrp="1"/>
+          </p:cNvSpPr>
+          <p:nvPr>
+            <p:ph type="dt" sz="half" idx="10"/>
+          </p:nvPr>
+        </p:nvSpPr>
+        <p:spPr/>
+        <p:txBody>
+          <a:bodyPr/>
+          <a:lstStyle/>
+          <a:p>
+            <a:r>
+              <a:rPr lang="fr-FR" smtClean="0"/>
+              <a:t>31 janvier 2012</a:t>
+            </a:r>
+            <a:endParaRPr lang="en-US"/>
+          </a:p>
+        </p:txBody>
+      </p:sp>
+      <p:sp>
+        <p:nvSpPr>
+          <p:cNvPr id="5" name="Espace réservé du pied de page 4"/>
+          <p:cNvSpPr>
+            <a:spLocks noGrp="1"/>
+          </p:cNvSpPr>
+          <p:nvPr>
+            <p:ph type="ftr" sz="quarter" idx="11"/>
+          </p:nvPr>
+        </p:nvSpPr>
+        <p:spPr/>
+        <p:txBody>
+          <a:bodyPr/>
+          <a:lstStyle/>
+          <a:p>
+            <a:r>
+              <a:rPr lang="fr-FR" smtClean="0"/>
+              <a:t>Programmation générique</a:t>
+            </a:r>
+            <a:endParaRPr lang="en-US"/>
+          </a:p>
+        </p:txBody>
+      </p:sp>
+      <p:sp>
+        <p:nvSpPr>
+          <p:cNvPr id="6" name="Espace réservé du numéro de diapositive 5"/>
+          <p:cNvSpPr>
+            <a:spLocks noGrp="1"/>
+          </p:cNvSpPr>
+          <p:nvPr>
+            <p:ph type="sldNum" sz="quarter" idx="12"/>
+          </p:nvPr>
+        </p:nvSpPr>
+        <p:spPr/>
+        <p:txBody>
+          <a:bodyPr/>
+          <a:lstStyle/>
+          <a:p>
+            <a:fld id="{8B37D5FE-740C-46F5-801A-FA5477D9711F}" type="slidenum">
+              <a:rPr lang="en-US" smtClean="0"/>
+              <a:pPr/>
+              <a:t>5</a:t>
+            </a:fld>
+            <a:endParaRPr lang="en-US"/>
+          </a:p>
+        </p:txBody>
+      </p:sp>
+    </p:spTree>
+    <p:extLst>
+      <p:ext uri="{BB962C8B-B14F-4D97-AF65-F5344CB8AC3E}">
+        <p14:creationId xmlns:p14="http://schemas.microsoft.com/office/powerpoint/2010/main" val="1589741967"/>
+      </p:ext>
+    </p:extLst>
+  </p:cSld>
+  <p:clrMapOvr>
+    <a:masterClrMapping/>
+  </p:clrMapOvr>
+</p:sld>
+</file>
+
+<file path=ppt/slides/slide6.xml><?xml version="1.0" encoding="utf-8"?>
+<p:sld xmlns:a="http://schemas.openxmlformats.org/drawingml/2006/main" xmlns:r="http://schemas.openxmlformats.org/officeDocument/2006/relationships" xmlns:p="http://schemas.openxmlformats.org/presentationml/2006/main">
+  <p:cSld>
+    <p:spTree>
+      <p:nvGrpSpPr>
+        <p:cNvPr id="1" name=""/>
+        <p:cNvGrpSpPr/>
+        <p:nvPr/>
+      </p:nvGrpSpPr>
+      <p:grpSpPr>
+        <a:xfrm>
+          <a:off x="0" y="0"/>
+          <a:ext cx="0" cy="0"/>
+          <a:chOff x="0" y="0"/>
+          <a:chExt cx="0" cy="0"/>
+        </a:xfrm>
+      </p:grpSpPr>
+      <p:sp>
+        <p:nvSpPr>
+          <p:cNvPr id="2" name="Titre 1"/>
+          <p:cNvSpPr>
+            <a:spLocks noGrp="1"/>
+          </p:cNvSpPr>
+          <p:nvPr>
+            <p:ph type="title"/>
+          </p:nvPr>
+        </p:nvSpPr>
+        <p:spPr>
+          <a:xfrm>
+            <a:off x="1043490" y="875264"/>
+            <a:ext cx="7024744" cy="864636"/>
+          </a:xfrm>
+        </p:spPr>
+        <p:txBody>
+          <a:bodyPr/>
+          <a:lstStyle/>
+          <a:p>
+            <a:r>
+              <a:rPr lang="fr-FR" dirty="0" smtClean="0"/>
+              <a:t>Démarche</a:t>
+            </a:r>
+            <a:endParaRPr lang="fr-FR" dirty="0"/>
+          </a:p>
+        </p:txBody>
+      </p:sp>
+      <p:sp>
+        <p:nvSpPr>
+          <p:cNvPr id="4" name="Espace réservé de la date 3"/>
+          <p:cNvSpPr>
+            <a:spLocks noGrp="1"/>
+          </p:cNvSpPr>
+          <p:nvPr>
+            <p:ph type="dt" sz="half" idx="10"/>
+          </p:nvPr>
+        </p:nvSpPr>
+        <p:spPr/>
+        <p:txBody>
+          <a:bodyPr/>
+          <a:lstStyle/>
+          <a:p>
+            <a:r>
+              <a:rPr lang="fr-FR" smtClean="0"/>
+              <a:t>31 janvier 2012</a:t>
+            </a:r>
+            <a:endParaRPr lang="en-US"/>
+          </a:p>
+        </p:txBody>
+      </p:sp>
+      <p:sp>
+        <p:nvSpPr>
+          <p:cNvPr id="5" name="Espace réservé du pied de page 4"/>
+          <p:cNvSpPr>
+            <a:spLocks noGrp="1"/>
+          </p:cNvSpPr>
+          <p:nvPr>
+            <p:ph type="ftr" sz="quarter" idx="11"/>
+          </p:nvPr>
+        </p:nvSpPr>
+        <p:spPr>
+          <a:xfrm>
+            <a:off x="4641448" y="6034722"/>
+            <a:ext cx="3502152" cy="365125"/>
+          </a:xfrm>
+        </p:spPr>
+        <p:txBody>
+          <a:bodyPr/>
+          <a:lstStyle/>
+          <a:p>
+            <a:r>
+              <a:rPr lang="fr-FR" dirty="0" smtClean="0"/>
+              <a:t>Programmation générique</a:t>
+            </a:r>
+            <a:endParaRPr lang="en-US" dirty="0"/>
+          </a:p>
+        </p:txBody>
+      </p:sp>
+      <p:sp>
+        <p:nvSpPr>
+          <p:cNvPr id="6" name="Espace réservé du numéro de diapositive 5"/>
+          <p:cNvSpPr>
+            <a:spLocks noGrp="1"/>
+          </p:cNvSpPr>
+          <p:nvPr>
+            <p:ph type="sldNum" sz="quarter" idx="12"/>
+          </p:nvPr>
+        </p:nvSpPr>
+        <p:spPr/>
+        <p:txBody>
+          <a:bodyPr/>
+          <a:lstStyle/>
+          <a:p>
+            <a:fld id="{8B37D5FE-740C-46F5-801A-FA5477D9711F}" type="slidenum">
+              <a:rPr lang="en-US" smtClean="0"/>
+              <a:pPr/>
+              <a:t>6</a:t>
+            </a:fld>
+            <a:endParaRPr lang="en-US"/>
+          </a:p>
+        </p:txBody>
+      </p:sp>
+      <p:pic>
+        <p:nvPicPr>
+          <p:cNvPr id="9" name="Image 8" descr="Capture d’écran 2012-01-31 à 23.27.24.png"/>
+          <p:cNvPicPr>
+            <a:picLocks noChangeAspect="1"/>
+          </p:cNvPicPr>
+          <p:nvPr/>
+        </p:nvPicPr>
+        <p:blipFill>
+          <a:blip r:embed="rId2">
+            <a:extLst>
+              <a:ext uri="{28A0092B-C50C-407E-A947-70E740481C1C}">
+                <a14:useLocalDpi xmlns:a14="http://schemas.microsoft.com/office/drawing/2010/main" val="0"/>
+              </a:ext>
+            </a:extLst>
+          </a:blip>
+          <a:stretch>
+            <a:fillRect/>
+          </a:stretch>
+        </p:blipFill>
+        <p:spPr>
+          <a:xfrm>
+            <a:off x="482600" y="2019300"/>
+            <a:ext cx="8178800" cy="1320800"/>
+          </a:xfrm>
+          <a:prstGeom prst="rect">
+            <a:avLst/>
+          </a:prstGeom>
+        </p:spPr>
+      </p:pic>
+      <p:sp>
+        <p:nvSpPr>
+          <p:cNvPr id="10" name="Espace réservé du contenu 2"/>
+          <p:cNvSpPr>
+            <a:spLocks noGrp="1"/>
+          </p:cNvSpPr>
+          <p:nvPr>
+            <p:ph idx="1"/>
+          </p:nvPr>
+        </p:nvSpPr>
+        <p:spPr>
+          <a:xfrm>
+            <a:off x="1043492" y="3467100"/>
+            <a:ext cx="6777317" cy="2628900"/>
+          </a:xfrm>
+        </p:spPr>
+        <p:txBody>
+          <a:bodyPr>
+            <a:normAutofit/>
+          </a:bodyPr>
+          <a:lstStyle/>
+          <a:p>
+            <a:r>
+              <a:rPr lang="fr-FR" dirty="0" smtClean="0"/>
+              <a:t>Une dimension = Un « range »</a:t>
+            </a:r>
+          </a:p>
+          <a:p>
+            <a:endParaRPr lang="fr-FR" dirty="0" smtClean="0"/>
+          </a:p>
+          <a:p>
+            <a:r>
+              <a:rPr lang="fr-FR" dirty="0" smtClean="0"/>
+              <a:t>Type de données et type d’</a:t>
+            </a:r>
+            <a:r>
+              <a:rPr lang="fr-FR" dirty="0" err="1" smtClean="0"/>
+              <a:t>itérators</a:t>
+            </a:r>
+            <a:r>
+              <a:rPr lang="fr-FR" dirty="0" smtClean="0"/>
+              <a:t> par le biais d’un « traits »</a:t>
+            </a:r>
+          </a:p>
+          <a:p>
+            <a:endParaRPr lang="fr-FR" dirty="0" smtClean="0"/>
+          </a:p>
+          <a:p>
+            <a:r>
+              <a:rPr lang="fr-FR" dirty="0" smtClean="0"/>
+              <a:t>Paire d’</a:t>
+            </a:r>
+            <a:r>
+              <a:rPr lang="fr-FR" dirty="0" err="1" smtClean="0"/>
+              <a:t>itérators</a:t>
+            </a:r>
+            <a:r>
+              <a:rPr lang="fr-FR" dirty="0" smtClean="0"/>
+              <a:t> : « </a:t>
+            </a:r>
+            <a:r>
+              <a:rPr lang="fr-FR" dirty="0" err="1" smtClean="0"/>
+              <a:t>begin</a:t>
+            </a:r>
+            <a:r>
+              <a:rPr lang="fr-FR" dirty="0" smtClean="0"/>
+              <a:t> » et « end »</a:t>
+            </a:r>
+            <a:endParaRPr lang="fr-FR" dirty="0"/>
+          </a:p>
+        </p:txBody>
+      </p:sp>
+    </p:spTree>
+    <p:extLst>
+      <p:ext uri="{BB962C8B-B14F-4D97-AF65-F5344CB8AC3E}">
+        <p14:creationId xmlns:p14="http://schemas.microsoft.com/office/powerpoint/2010/main" val="1353844259"/>
+      </p:ext>
+    </p:extLst>
+  </p:cSld>
+  <p:clrMapOvr>
+    <a:masterClrMapping/>
+  </p:clrMapOvr>
+</p:sld>
+</file>
+
+<file path=ppt/slides/slide7.xml><?xml version="1.0" encoding="utf-8"?>
+<p:sld xmlns:a="http://schemas.openxmlformats.org/drawingml/2006/main" xmlns:r="http://schemas.openxmlformats.org/officeDocument/2006/relationships" xmlns:p="http://schemas.openxmlformats.org/presentationml/2006/main">
+  <p:cSld>
+    <p:spTree>
+      <p:nvGrpSpPr>
+        <p:cNvPr id="1" name=""/>
+        <p:cNvGrpSpPr/>
+        <p:nvPr/>
+      </p:nvGrpSpPr>
+      <p:grpSpPr>
+        <a:xfrm>
+          <a:off x="0" y="0"/>
+          <a:ext cx="0" cy="0"/>
+          <a:chOff x="0" y="0"/>
+          <a:chExt cx="0" cy="0"/>
+        </a:xfrm>
+      </p:grpSpPr>
+      <p:sp>
+        <p:nvSpPr>
+          <p:cNvPr id="2" name="Titre 1"/>
+          <p:cNvSpPr>
+            <a:spLocks noGrp="1"/>
+          </p:cNvSpPr>
+          <p:nvPr>
+            <p:ph type="title"/>
+          </p:nvPr>
+        </p:nvSpPr>
+        <p:spPr>
+          <a:xfrm>
+            <a:off x="1043490" y="926064"/>
+            <a:ext cx="7024744" cy="966236"/>
+          </a:xfrm>
+        </p:spPr>
+        <p:txBody>
+          <a:bodyPr/>
+          <a:lstStyle/>
+          <a:p>
+            <a:r>
+              <a:rPr lang="fr-FR" dirty="0" smtClean="0"/>
+              <a:t>Démarche - extensibilité</a:t>
+            </a:r>
+            <a:endParaRPr lang="fr-FR" dirty="0"/>
+          </a:p>
+        </p:txBody>
+      </p:sp>
+      <p:sp>
+        <p:nvSpPr>
+          <p:cNvPr id="3" name="Espace réservé du contenu 2"/>
+          <p:cNvSpPr>
+            <a:spLocks noGrp="1"/>
+          </p:cNvSpPr>
+          <p:nvPr>
+            <p:ph idx="1"/>
+          </p:nvPr>
+        </p:nvSpPr>
+        <p:spPr>
+          <a:xfrm>
+            <a:off x="878392" y="2323652"/>
+            <a:ext cx="7732208" cy="3508977"/>
+          </a:xfrm>
+        </p:spPr>
+        <p:txBody>
+          <a:bodyPr/>
+          <a:lstStyle/>
+          <a:p>
+            <a:r>
+              <a:rPr lang="fr-FR" dirty="0" smtClean="0"/>
+              <a:t>3 étapes pour intégrer un nouveau type de conteneur :</a:t>
+            </a:r>
+          </a:p>
+          <a:p>
+            <a:endParaRPr lang="fr-FR" dirty="0" smtClean="0"/>
+          </a:p>
+          <a:p>
+            <a:pPr lvl="1"/>
+            <a:r>
+              <a:rPr lang="fr-FR" dirty="0"/>
+              <a:t>Spécialisation du </a:t>
+            </a:r>
+            <a:r>
+              <a:rPr lang="fr-FR" dirty="0" smtClean="0"/>
+              <a:t>traits</a:t>
+            </a:r>
+          </a:p>
+          <a:p>
+            <a:pPr lvl="1"/>
+            <a:r>
+              <a:rPr lang="fr-FR" dirty="0" smtClean="0"/>
+              <a:t>Définition </a:t>
+            </a:r>
+            <a:r>
+              <a:rPr lang="fr-FR" dirty="0"/>
+              <a:t>des fonctions </a:t>
+            </a:r>
+            <a:r>
+              <a:rPr lang="fr-FR" dirty="0" err="1"/>
+              <a:t>begin</a:t>
+            </a:r>
+            <a:r>
+              <a:rPr lang="fr-FR" dirty="0"/>
+              <a:t> (</a:t>
+            </a:r>
+            <a:r>
+              <a:rPr lang="fr-FR" dirty="0" err="1"/>
+              <a:t>const</a:t>
+            </a:r>
+            <a:r>
+              <a:rPr lang="fr-FR" dirty="0"/>
+              <a:t> et no-</a:t>
+            </a:r>
+            <a:r>
+              <a:rPr lang="fr-FR" dirty="0" err="1"/>
+              <a:t>const</a:t>
+            </a:r>
+            <a:r>
+              <a:rPr lang="fr-FR" dirty="0"/>
+              <a:t>) </a:t>
+            </a:r>
+            <a:endParaRPr lang="fr-FR" dirty="0" smtClean="0"/>
+          </a:p>
+          <a:p>
+            <a:pPr lvl="1"/>
+            <a:r>
+              <a:rPr lang="fr-FR" dirty="0" smtClean="0"/>
+              <a:t>Définition </a:t>
+            </a:r>
+            <a:r>
+              <a:rPr lang="fr-FR" dirty="0"/>
+              <a:t>des fonctions </a:t>
+            </a:r>
+            <a:r>
+              <a:rPr lang="fr-FR" dirty="0" smtClean="0"/>
+              <a:t>end</a:t>
+            </a:r>
+            <a:endParaRPr lang="fr-FR" dirty="0"/>
+          </a:p>
+        </p:txBody>
+      </p:sp>
+      <p:sp>
+        <p:nvSpPr>
+          <p:cNvPr id="4" name="Espace réservé de la date 3"/>
+          <p:cNvSpPr>
+            <a:spLocks noGrp="1"/>
+          </p:cNvSpPr>
+          <p:nvPr>
+            <p:ph type="dt" sz="half" idx="10"/>
+          </p:nvPr>
+        </p:nvSpPr>
+        <p:spPr/>
+        <p:txBody>
+          <a:bodyPr/>
+          <a:lstStyle/>
+          <a:p>
+            <a:r>
+              <a:rPr lang="fr-FR" smtClean="0"/>
+              <a:t>31 janvier 2012</a:t>
+            </a:r>
+            <a:endParaRPr lang="en-US"/>
+          </a:p>
+        </p:txBody>
+      </p:sp>
+      <p:sp>
+        <p:nvSpPr>
+          <p:cNvPr id="5" name="Espace réservé du pied de page 4"/>
+          <p:cNvSpPr>
+            <a:spLocks noGrp="1"/>
+          </p:cNvSpPr>
+          <p:nvPr>
+            <p:ph type="ftr" sz="quarter" idx="11"/>
+          </p:nvPr>
+        </p:nvSpPr>
+        <p:spPr/>
+        <p:txBody>
+          <a:bodyPr/>
+          <a:lstStyle/>
+          <a:p>
+            <a:r>
+              <a:rPr lang="fr-FR" smtClean="0"/>
+              <a:t>Programmation générique</a:t>
+            </a:r>
+            <a:endParaRPr lang="en-US"/>
+          </a:p>
+        </p:txBody>
+      </p:sp>
+      <p:sp>
+        <p:nvSpPr>
+          <p:cNvPr id="6" name="Espace réservé du numéro de diapositive 5"/>
+          <p:cNvSpPr>
+            <a:spLocks noGrp="1"/>
+          </p:cNvSpPr>
+          <p:nvPr>
+            <p:ph type="sldNum" sz="quarter" idx="12"/>
+          </p:nvPr>
+        </p:nvSpPr>
+        <p:spPr/>
+        <p:txBody>
+          <a:bodyPr/>
+          <a:lstStyle/>
+          <a:p>
+            <a:fld id="{8B37D5FE-740C-46F5-801A-FA5477D9711F}" type="slidenum">
+              <a:rPr lang="en-US" smtClean="0"/>
+              <a:pPr/>
+              <a:t>7</a:t>
+            </a:fld>
+            <a:endParaRPr lang="en-US"/>
+          </a:p>
+        </p:txBody>
+      </p:sp>
+    </p:spTree>
+    <p:extLst>
+      <p:ext uri="{BB962C8B-B14F-4D97-AF65-F5344CB8AC3E}">
+        <p14:creationId xmlns:p14="http://schemas.microsoft.com/office/powerpoint/2010/main" val="1533511154"/>
+      </p:ext>
+    </p:extLst>
+  </p:cSld>
+  <p:clrMapOvr>
+    <a:masterClrMapping/>
+  </p:clrMapOvr>
+</p:sld>
+</file>
+
+<file path=ppt/slides/slide8.xml><?xml version="1.0" encoding="utf-8"?>
+<p:sld xmlns:a="http://schemas.openxmlformats.org/drawingml/2006/main" xmlns:r="http://schemas.openxmlformats.org/officeDocument/2006/relationships" xmlns:p="http://schemas.openxmlformats.org/presentationml/2006/main">
+  <p:cSld>
+    <p:spTree>
+      <p:nvGrpSpPr>
+        <p:cNvPr id="1" name=""/>
+        <p:cNvGrpSpPr/>
+        <p:nvPr/>
+      </p:nvGrpSpPr>
+      <p:grpSpPr>
+        <a:xfrm>
+          <a:off x="0" y="0"/>
+          <a:ext cx="0" cy="0"/>
+          <a:chOff x="0" y="0"/>
+          <a:chExt cx="0" cy="0"/>
+        </a:xfrm>
+      </p:grpSpPr>
+      <p:sp>
+        <p:nvSpPr>
+          <p:cNvPr id="2" name="Titre 1"/>
+          <p:cNvSpPr>
+            <a:spLocks noGrp="1"/>
+          </p:cNvSpPr>
+          <p:nvPr>
+            <p:ph type="title"/>
+          </p:nvPr>
+        </p:nvSpPr>
+        <p:spPr>
+          <a:xfrm>
+            <a:off x="1043490" y="926064"/>
+            <a:ext cx="7024744" cy="966236"/>
+          </a:xfrm>
+        </p:spPr>
+        <p:txBody>
+          <a:bodyPr>
+            <a:normAutofit/>
+          </a:bodyPr>
+          <a:lstStyle/>
+          <a:p>
+            <a:r>
+              <a:rPr lang="fr-FR" dirty="0" smtClean="0"/>
+              <a:t>Aide à la manipulation</a:t>
+            </a:r>
+            <a:endParaRPr lang="fr-FR" dirty="0"/>
+          </a:p>
+        </p:txBody>
+      </p:sp>
+      <p:sp>
+        <p:nvSpPr>
+          <p:cNvPr id="3" name="Espace réservé du contenu 2"/>
+          <p:cNvSpPr>
+            <a:spLocks noGrp="1"/>
+          </p:cNvSpPr>
+          <p:nvPr>
+            <p:ph idx="1"/>
+          </p:nvPr>
+        </p:nvSpPr>
+        <p:spPr>
+          <a:xfrm>
+            <a:off x="878392" y="2323652"/>
+            <a:ext cx="7732208" cy="3508977"/>
+          </a:xfrm>
+        </p:spPr>
+        <p:txBody>
+          <a:bodyPr/>
+          <a:lstStyle/>
+          <a:p>
+            <a:r>
+              <a:rPr lang="fr-FR" dirty="0" smtClean="0"/>
+              <a:t>Pour le moment, écriture un peu lourde.</a:t>
+            </a:r>
+          </a:p>
+          <a:p>
+            <a:r>
+              <a:rPr lang="fr-FR" dirty="0" smtClean="0"/>
+              <a:t>Type de base difficilement reconnaissable.</a:t>
+            </a:r>
+          </a:p>
+          <a:p>
+            <a:endParaRPr lang="fr-FR" dirty="0"/>
+          </a:p>
+          <a:p>
+            <a:r>
+              <a:rPr lang="fr-FR" dirty="0" smtClean="0"/>
+              <a:t>Introduction d’un second « traits ».</a:t>
+            </a:r>
+          </a:p>
+          <a:p>
+            <a:r>
+              <a:rPr lang="fr-FR" dirty="0" smtClean="0"/>
+              <a:t>Permet l’inspection des types consécutifs des tableaux.</a:t>
+            </a:r>
+          </a:p>
+          <a:p>
+            <a:r>
+              <a:rPr lang="fr-FR" dirty="0" smtClean="0"/>
+              <a:t>Notion de dimension.</a:t>
+            </a:r>
+            <a:endParaRPr lang="fr-FR" dirty="0"/>
+          </a:p>
+        </p:txBody>
+      </p:sp>
+      <p:sp>
+        <p:nvSpPr>
+          <p:cNvPr id="4" name="Espace réservé de la date 3"/>
+          <p:cNvSpPr>
+            <a:spLocks noGrp="1"/>
+          </p:cNvSpPr>
+          <p:nvPr>
+            <p:ph type="dt" sz="half" idx="10"/>
+          </p:nvPr>
+        </p:nvSpPr>
+        <p:spPr/>
+        <p:txBody>
+          <a:bodyPr/>
+          <a:lstStyle/>
+          <a:p>
+            <a:r>
+              <a:rPr lang="fr-FR" smtClean="0"/>
+              <a:t>31 janvier 2012</a:t>
+            </a:r>
+            <a:endParaRPr lang="en-US"/>
+          </a:p>
+        </p:txBody>
+      </p:sp>
+      <p:sp>
+        <p:nvSpPr>
+          <p:cNvPr id="5" name="Espace réservé du pied de page 4"/>
+          <p:cNvSpPr>
+            <a:spLocks noGrp="1"/>
+          </p:cNvSpPr>
+          <p:nvPr>
+            <p:ph type="ftr" sz="quarter" idx="11"/>
+          </p:nvPr>
+        </p:nvSpPr>
+        <p:spPr/>
+        <p:txBody>
+          <a:bodyPr/>
+          <a:lstStyle/>
+          <a:p>
+            <a:r>
+              <a:rPr lang="fr-FR" smtClean="0"/>
+              <a:t>Programmation générique</a:t>
+            </a:r>
+            <a:endParaRPr lang="en-US"/>
+          </a:p>
+        </p:txBody>
+      </p:sp>
+      <p:sp>
+        <p:nvSpPr>
+          <p:cNvPr id="6" name="Espace réservé du numéro de diapositive 5"/>
+          <p:cNvSpPr>
+            <a:spLocks noGrp="1"/>
+          </p:cNvSpPr>
+          <p:nvPr>
+            <p:ph type="sldNum" sz="quarter" idx="12"/>
+          </p:nvPr>
+        </p:nvSpPr>
+        <p:spPr/>
+        <p:txBody>
+          <a:bodyPr/>
+          <a:lstStyle/>
+          <a:p>
+            <a:fld id="{8B37D5FE-740C-46F5-801A-FA5477D9711F}" type="slidenum">
+              <a:rPr lang="en-US" smtClean="0"/>
+              <a:pPr/>
+              <a:t>8</a:t>
+            </a:fld>
+            <a:endParaRPr lang="en-US"/>
+          </a:p>
+        </p:txBody>
+      </p:sp>
+    </p:spTree>
+    <p:extLst>
+      <p:ext uri="{BB962C8B-B14F-4D97-AF65-F5344CB8AC3E}">
+        <p14:creationId xmlns:p14="http://schemas.microsoft.com/office/powerpoint/2010/main" val="738487526"/>
+      </p:ext>
+    </p:extLst>
+  </p:cSld>
+  <p:clrMapOvr>
+    <a:masterClrMapping/>
+  </p:clrMapOvr>
+</p:sld>
+</file>
+
+<file path=ppt/slides/slide9.xml><?xml version="1.0" encoding="utf-8"?>
+<p:sld xmlns:a="http://schemas.openxmlformats.org/drawingml/2006/main" xmlns:r="http://schemas.openxmlformats.org/officeDocument/2006/relationships" xmlns:p="http://schemas.openxmlformats.org/presentationml/2006/main">
+  <p:cSld>
+    <p:spTree>
+      <p:nvGrpSpPr>
+        <p:cNvPr id="1" name=""/>
+        <p:cNvGrpSpPr/>
+        <p:nvPr/>
+      </p:nvGrpSpPr>
+      <p:grpSpPr>
+        <a:xfrm>
+          <a:off x="0" y="0"/>
+          <a:ext cx="0" cy="0"/>
+          <a:chOff x="0" y="0"/>
+          <a:chExt cx="0" cy="0"/>
+        </a:xfrm>
+      </p:grpSpPr>
+      <p:sp>
+        <p:nvSpPr>
+          <p:cNvPr id="2" name="Titre 1"/>
+          <p:cNvSpPr>
+            <a:spLocks noGrp="1"/>
+          </p:cNvSpPr>
+          <p:nvPr>
+            <p:ph type="title"/>
+          </p:nvPr>
+        </p:nvSpPr>
+        <p:spPr/>
+        <p:txBody>
+          <a:bodyPr/>
+          <a:lstStyle/>
+          <a:p>
+            <a:pPr algn="ctr"/>
+            <a:r>
+              <a:rPr lang="fr-FR" dirty="0" smtClean="0"/>
+              <a:t>Merci de votre attention</a:t>
+            </a:r>
+            <a:endParaRPr lang="fr-FR" dirty="0"/>
+          </a:p>
+        </p:txBody>
+      </p:sp>
+      <p:sp>
+        <p:nvSpPr>
+          <p:cNvPr id="3" name="Espace réservé du contenu 2"/>
+          <p:cNvSpPr>
+            <a:spLocks noGrp="1"/>
+          </p:cNvSpPr>
+          <p:nvPr>
+            <p:ph idx="1"/>
+          </p:nvPr>
+        </p:nvSpPr>
+        <p:spPr/>
+        <p:txBody>
+          <a:bodyPr/>
+          <a:lstStyle/>
+          <a:p>
+            <a:endParaRPr lang="fr-FR" dirty="0" smtClean="0"/>
+          </a:p>
+          <a:p>
+            <a:endParaRPr lang="fr-FR" dirty="0" smtClean="0"/>
+          </a:p>
+          <a:p>
+            <a:endParaRPr lang="fr-FR" dirty="0" smtClean="0"/>
+          </a:p>
+          <a:p>
+            <a:pPr algn="ctr"/>
+            <a:r>
+              <a:rPr lang="fr-FR" dirty="0" smtClean="0"/>
+              <a:t>Des question ?</a:t>
+            </a:r>
+            <a:endParaRPr lang="fr-FR" dirty="0"/>
+          </a:p>
+        </p:txBody>
+      </p:sp>
+      <p:sp>
+        <p:nvSpPr>
+          <p:cNvPr id="4" name="Espace réservé de la date 3"/>
+          <p:cNvSpPr>
+            <a:spLocks noGrp="1"/>
+          </p:cNvSpPr>
+          <p:nvPr>
+            <p:ph type="dt" sz="half" idx="10"/>
+          </p:nvPr>
+        </p:nvSpPr>
+        <p:spPr/>
+        <p:txBody>
+          <a:bodyPr/>
+          <a:lstStyle/>
+          <a:p>
+            <a:r>
+              <a:rPr lang="fr-FR" smtClean="0"/>
+              <a:t>31 janvier 2012</a:t>
+            </a:r>
+            <a:endParaRPr lang="en-US"/>
+          </a:p>
+        </p:txBody>
+      </p:sp>
+      <p:sp>
+        <p:nvSpPr>
+          <p:cNvPr id="5" name="Espace réservé du pied de page 4"/>
+          <p:cNvSpPr>
+            <a:spLocks noGrp="1"/>
+          </p:cNvSpPr>
+          <p:nvPr>
+            <p:ph type="ftr" sz="quarter" idx="11"/>
+          </p:nvPr>
+        </p:nvSpPr>
+        <p:spPr/>
+        <p:txBody>
+          <a:bodyPr/>
+          <a:lstStyle/>
+          <a:p>
+            <a:r>
+              <a:rPr lang="fr-FR" smtClean="0"/>
+              <a:t>Programmation générique</a:t>
+            </a:r>
+            <a:endParaRPr lang="en-US"/>
+          </a:p>
+        </p:txBody>
+      </p:sp>
+      <p:sp>
+        <p:nvSpPr>
+          <p:cNvPr id="6" name="Espace réservé du numéro de diapositive 5"/>
+          <p:cNvSpPr>
+            <a:spLocks noGrp="1"/>
+          </p:cNvSpPr>
+          <p:nvPr>
+            <p:ph type="sldNum" sz="quarter" idx="12"/>
+          </p:nvPr>
+        </p:nvSpPr>
+        <p:spPr/>
+        <p:txBody>
+          <a:bodyPr/>
+          <a:lstStyle/>
+          <a:p>
+            <a:fld id="{8B37D5FE-740C-46F5-801A-FA5477D9711F}" type="slidenum">
+              <a:rPr lang="en-US" smtClean="0"/>
+              <a:pPr/>
+              <a:t>9</a:t>
+            </a:fld>
+            <a:endParaRPr lang="en-US"/>
+          </a:p>
+        </p:txBody>
+      </p:sp>
+    </p:spTree>
+    <p:extLst>
+      <p:ext uri="{BB962C8B-B14F-4D97-AF65-F5344CB8AC3E}">
+        <p14:creationId xmlns:p14="http://schemas.microsoft.com/office/powerpoint/2010/main" val="3036830686"/>
       </p:ext>
     </p:extLst>
   </p:cSld>

--- a/PresentationProgGenerik.pptx
+++ b/PresentationProgGenerik.pptx
@@ -5,10 +5,10 @@
     <p:sldMasterId id="2147483792" r:id="rId1"/>
   </p:sldMasterIdLst>
   <p:notesMasterIdLst>
-    <p:notesMasterId r:id="rId11"/>
+    <p:notesMasterId r:id="rId14"/>
   </p:notesMasterIdLst>
   <p:handoutMasterIdLst>
-    <p:handoutMasterId r:id="rId12"/>
+    <p:handoutMasterId r:id="rId15"/>
   </p:handoutMasterIdLst>
   <p:sldIdLst>
     <p:sldId id="256" r:id="rId2"/>
@@ -19,7 +19,10 @@
     <p:sldId id="261" r:id="rId7"/>
     <p:sldId id="262" r:id="rId8"/>
     <p:sldId id="263" r:id="rId9"/>
-    <p:sldId id="264" r:id="rId10"/>
+    <p:sldId id="265" r:id="rId10"/>
+    <p:sldId id="266" r:id="rId11"/>
+    <p:sldId id="267" r:id="rId12"/>
+    <p:sldId id="264" r:id="rId13"/>
   </p:sldIdLst>
   <p:sldSz cx="9144000" cy="6858000" type="screen4x3"/>
   <p:notesSz cx="6858000" cy="9144000"/>
@@ -203,7 +206,8 @@
           <a:p>
             <a:fld id="{685CD01E-35DE-D34D-BF2B-6C980A1FDAC3}" type="datetime1">
               <a:rPr lang="fr-FR" smtClean="0"/>
-              <a:t>31/01/12</a:t>
+              <a:pPr/>
+              <a:t>01/02/2012</a:t>
             </a:fld>
             <a:endParaRPr lang="fr-FR"/>
           </a:p>
@@ -269,7 +273,8 @@
           <a:p>
             <a:fld id="{B08E7F29-E53F-6D4B-9054-75605793BEC4}" type="slidenum">
               <a:rPr lang="fr-FR" smtClean="0"/>
-              <a:t>‹#›</a:t>
+              <a:pPr/>
+              <a:t>‹N°›</a:t>
             </a:fld>
             <a:endParaRPr lang="fr-FR"/>
           </a:p>
@@ -278,7 +283,7 @@
     </p:spTree>
     <p:extLst>
       <p:ext uri="{BB962C8B-B14F-4D97-AF65-F5344CB8AC3E}">
-        <p14:creationId xmlns:p14="http://schemas.microsoft.com/office/powerpoint/2010/main" val="2176123998"/>
+        <p14:creationId xmlns:p14="http://schemas.microsoft.com/office/powerpoint/2010/main" xmlns="" val="2176123998"/>
       </p:ext>
     </p:extLst>
   </p:cSld>
@@ -369,7 +374,8 @@
           <a:p>
             <a:fld id="{FCEE744A-71DA-5C4F-8E9C-72B740EC04FB}" type="datetime1">
               <a:rPr lang="fr-FR" smtClean="0"/>
-              <a:t>31/01/12</a:t>
+              <a:pPr/>
+              <a:t>01/02/2012</a:t>
             </a:fld>
             <a:endParaRPr lang="fr-FR"/>
           </a:p>
@@ -528,7 +534,8 @@
           <a:p>
             <a:fld id="{CF547A16-3D52-AF4C-AEF5-FACE896960EB}" type="slidenum">
               <a:rPr lang="fr-FR" smtClean="0"/>
-              <a:t>‹#›</a:t>
+              <a:pPr/>
+              <a:t>‹N°›</a:t>
             </a:fld>
             <a:endParaRPr lang="fr-FR"/>
           </a:p>
@@ -537,7 +544,7 @@
     </p:spTree>
     <p:extLst>
       <p:ext uri="{BB962C8B-B14F-4D97-AF65-F5344CB8AC3E}">
-        <p14:creationId xmlns:p14="http://schemas.microsoft.com/office/powerpoint/2010/main" val="2887932801"/>
+        <p14:creationId xmlns:p14="http://schemas.microsoft.com/office/powerpoint/2010/main" xmlns="" val="2887932801"/>
       </p:ext>
     </p:extLst>
   </p:cSld>
@@ -703,6 +710,7 @@
           <a:p>
             <a:fld id="{CF547A16-3D52-AF4C-AEF5-FACE896960EB}" type="slidenum">
               <a:rPr lang="fr-FR" smtClean="0"/>
+              <a:pPr/>
               <a:t>2</a:t>
             </a:fld>
             <a:endParaRPr lang="fr-FR"/>
@@ -712,7 +720,7 @@
     </p:spTree>
     <p:extLst>
       <p:ext uri="{BB962C8B-B14F-4D97-AF65-F5344CB8AC3E}">
-        <p14:creationId xmlns:p14="http://schemas.microsoft.com/office/powerpoint/2010/main" val="2719615595"/>
+        <p14:creationId xmlns:p14="http://schemas.microsoft.com/office/powerpoint/2010/main" xmlns="" val="2719615595"/>
       </p:ext>
     </p:extLst>
   </p:cSld>
@@ -3600,7 +3608,7 @@
             <a:fld id="{8B37D5FE-740C-46F5-801A-FA5477D9711F}" type="slidenum">
               <a:rPr lang="en-US" smtClean="0"/>
               <a:pPr/>
-              <a:t>‹#›</a:t>
+              <a:t>‹N°›</a:t>
             </a:fld>
             <a:endParaRPr lang="en-US" dirty="0"/>
           </a:p>
@@ -3816,7 +3824,7 @@
             <a:fld id="{8B37D5FE-740C-46F5-801A-FA5477D9711F}" type="slidenum">
               <a:rPr lang="en-US" smtClean="0"/>
               <a:pPr/>
-              <a:t>‹#›</a:t>
+              <a:t>‹N°›</a:t>
             </a:fld>
             <a:endParaRPr lang="en-US"/>
           </a:p>
@@ -3996,7 +4004,7 @@
             <a:fld id="{8B37D5FE-740C-46F5-801A-FA5477D9711F}" type="slidenum">
               <a:rPr lang="en-US" smtClean="0"/>
               <a:pPr/>
-              <a:t>‹#›</a:t>
+              <a:t>‹N°›</a:t>
             </a:fld>
             <a:endParaRPr lang="en-US"/>
           </a:p>
@@ -4166,7 +4174,7 @@
             <a:fld id="{8B37D5FE-740C-46F5-801A-FA5477D9711F}" type="slidenum">
               <a:rPr lang="en-US" smtClean="0"/>
               <a:pPr/>
-              <a:t>‹#›</a:t>
+              <a:t>‹N°›</a:t>
             </a:fld>
             <a:endParaRPr lang="en-US"/>
           </a:p>
@@ -4412,7 +4420,7 @@
             <a:fld id="{8B37D5FE-740C-46F5-801A-FA5477D9711F}" type="slidenum">
               <a:rPr lang="en-US" smtClean="0"/>
               <a:pPr/>
-              <a:t>‹#›</a:t>
+              <a:t>‹N°›</a:t>
             </a:fld>
             <a:endParaRPr lang="en-US"/>
           </a:p>
@@ -4530,7 +4538,7 @@
             <a:fld id="{8B37D5FE-740C-46F5-801A-FA5477D9711F}" type="slidenum">
               <a:rPr lang="en-US" smtClean="0"/>
               <a:pPr/>
-              <a:t>‹#›</a:t>
+              <a:t>‹N°›</a:t>
             </a:fld>
             <a:endParaRPr lang="en-US"/>
           </a:p>
@@ -5074,7 +5082,7 @@
             <a:fld id="{8B37D5FE-740C-46F5-801A-FA5477D9711F}" type="slidenum">
               <a:rPr lang="en-US" smtClean="0"/>
               <a:pPr/>
-              <a:t>‹#›</a:t>
+              <a:t>‹N°›</a:t>
             </a:fld>
             <a:endParaRPr lang="en-US"/>
           </a:p>
@@ -5192,7 +5200,7 @@
             <a:fld id="{8B37D5FE-740C-46F5-801A-FA5477D9711F}" type="slidenum">
               <a:rPr lang="en-US" smtClean="0"/>
               <a:pPr/>
-              <a:t>‹#›</a:t>
+              <a:t>‹N°›</a:t>
             </a:fld>
             <a:endParaRPr lang="en-US"/>
           </a:p>
@@ -5287,7 +5295,7 @@
             <a:fld id="{8B37D5FE-740C-46F5-801A-FA5477D9711F}" type="slidenum">
               <a:rPr lang="en-US" smtClean="0"/>
               <a:pPr/>
-              <a:t>‹#›</a:t>
+              <a:t>‹N°›</a:t>
             </a:fld>
             <a:endParaRPr lang="en-US"/>
           </a:p>
@@ -7920,7 +7928,7 @@
             <a:fld id="{8B37D5FE-740C-46F5-801A-FA5477D9711F}" type="slidenum">
               <a:rPr lang="en-US" smtClean="0"/>
               <a:pPr/>
-              <a:t>‹#›</a:t>
+              <a:t>‹N°›</a:t>
             </a:fld>
             <a:endParaRPr lang="en-US"/>
           </a:p>
@@ -11167,7 +11175,7 @@
             <a:fld id="{8B37D5FE-740C-46F5-801A-FA5477D9711F}" type="slidenum">
               <a:rPr lang="en-US" smtClean="0"/>
               <a:pPr/>
-              <a:t>‹#›</a:t>
+              <a:t>‹N°›</a:t>
             </a:fld>
             <a:endParaRPr lang="en-US"/>
           </a:p>
@@ -14019,7 +14027,7 @@
             <a:fld id="{8B37D5FE-740C-46F5-801A-FA5477D9711F}" type="slidenum">
               <a:rPr lang="en-US" smtClean="0"/>
               <a:pPr/>
-              <a:t>‹#›</a:t>
+              <a:t>‹N°›</a:t>
             </a:fld>
             <a:endParaRPr lang="en-US"/>
           </a:p>
@@ -14511,10 +14519,10 @@
           <p:nvPr/>
         </p:nvPicPr>
         <p:blipFill>
-          <a:blip r:embed="rId2">
+          <a:blip r:embed="rId2" cstate="print">
             <a:extLst>
               <a:ext uri="{BEBA8EAE-BF5A-486C-A8C5-ECC9F3942E4B}">
-                <a14:imgProps xmlns:a14="http://schemas.microsoft.com/office/drawing/2010/main">
+                <a14:imgProps xmlns:a14="http://schemas.microsoft.com/office/drawing/2010/main" xmlns="">
                   <a14:imgLayer r:embed="rId3">
                     <a14:imgEffect>
                       <a14:backgroundRemoval t="1000" b="97500" l="2918" r="96552"/>
@@ -14541,7 +14549,519 @@
     </p:spTree>
     <p:extLst>
       <p:ext uri="{BB962C8B-B14F-4D97-AF65-F5344CB8AC3E}">
-        <p14:creationId xmlns:p14="http://schemas.microsoft.com/office/powerpoint/2010/main" val="496940647"/>
+        <p14:creationId xmlns:p14="http://schemas.microsoft.com/office/powerpoint/2010/main" xmlns="" val="496940647"/>
+      </p:ext>
+    </p:extLst>
+  </p:cSld>
+  <p:clrMapOvr>
+    <a:masterClrMapping/>
+  </p:clrMapOvr>
+</p:sld>
+</file>
+
+<file path=ppt/slides/slide10.xml><?xml version="1.0" encoding="utf-8"?>
+<p:sld xmlns:a="http://schemas.openxmlformats.org/drawingml/2006/main" xmlns:r="http://schemas.openxmlformats.org/officeDocument/2006/relationships" xmlns:p="http://schemas.openxmlformats.org/presentationml/2006/main">
+  <p:cSld>
+    <p:spTree>
+      <p:nvGrpSpPr>
+        <p:cNvPr id="1" name=""/>
+        <p:cNvGrpSpPr/>
+        <p:nvPr/>
+      </p:nvGrpSpPr>
+      <p:grpSpPr>
+        <a:xfrm>
+          <a:off x="0" y="0"/>
+          <a:ext cx="0" cy="0"/>
+          <a:chOff x="0" y="0"/>
+          <a:chExt cx="0" cy="0"/>
+        </a:xfrm>
+      </p:grpSpPr>
+      <p:sp>
+        <p:nvSpPr>
+          <p:cNvPr id="2" name="Titre 1"/>
+          <p:cNvSpPr>
+            <a:spLocks noGrp="1"/>
+          </p:cNvSpPr>
+          <p:nvPr>
+            <p:ph type="title"/>
+          </p:nvPr>
+        </p:nvSpPr>
+        <p:spPr/>
+        <p:txBody>
+          <a:bodyPr/>
+          <a:lstStyle/>
+          <a:p>
+            <a:r>
+              <a:rPr lang="fr-FR" dirty="0" smtClean="0"/>
+              <a:t>Optimisation – Les défauts</a:t>
+            </a:r>
+            <a:endParaRPr lang="fr-FR" dirty="0"/>
+          </a:p>
+        </p:txBody>
+      </p:sp>
+      <p:sp>
+        <p:nvSpPr>
+          <p:cNvPr id="3" name="Espace réservé du contenu 2"/>
+          <p:cNvSpPr>
+            <a:spLocks noGrp="1"/>
+          </p:cNvSpPr>
+          <p:nvPr>
+            <p:ph idx="1"/>
+          </p:nvPr>
+        </p:nvSpPr>
+        <p:spPr/>
+        <p:txBody>
+          <a:bodyPr/>
+          <a:lstStyle/>
+          <a:p>
+            <a:r>
+              <a:rPr lang="fr-FR" dirty="0" smtClean="0"/>
+              <a:t>Défauts constatés :</a:t>
+            </a:r>
+          </a:p>
+          <a:p>
+            <a:pPr lvl="1"/>
+            <a:r>
+              <a:rPr lang="fr-FR" dirty="0" smtClean="0"/>
+              <a:t>Récursivité pour l’exploration des dimensions</a:t>
+            </a:r>
+          </a:p>
+          <a:p>
+            <a:pPr lvl="1"/>
+            <a:r>
+              <a:rPr lang="fr-FR" dirty="0" smtClean="0"/>
+              <a:t>Création de nombreux objets temporaires (indices, vues, …)</a:t>
+            </a:r>
+          </a:p>
+          <a:p>
+            <a:pPr lvl="1"/>
+            <a:r>
+              <a:rPr lang="fr-FR" dirty="0" smtClean="0"/>
+              <a:t>Perte de performance due à la généricité (</a:t>
+            </a:r>
+            <a:r>
+              <a:rPr lang="fr-FR" dirty="0" err="1" smtClean="0"/>
+              <a:t>random</a:t>
+            </a:r>
+            <a:r>
+              <a:rPr lang="fr-FR" dirty="0" smtClean="0"/>
+              <a:t> </a:t>
+            </a:r>
+            <a:r>
+              <a:rPr lang="fr-FR" dirty="0" err="1" smtClean="0"/>
+              <a:t>access</a:t>
+            </a:r>
+            <a:r>
+              <a:rPr lang="fr-FR" dirty="0" smtClean="0"/>
+              <a:t> </a:t>
+            </a:r>
+            <a:r>
+              <a:rPr lang="fr-FR" dirty="0" err="1" smtClean="0"/>
+              <a:t>iterator</a:t>
+            </a:r>
+            <a:r>
+              <a:rPr lang="fr-FR" dirty="0" smtClean="0"/>
+              <a:t>)</a:t>
+            </a:r>
+          </a:p>
+        </p:txBody>
+      </p:sp>
+      <p:sp>
+        <p:nvSpPr>
+          <p:cNvPr id="4" name="Espace réservé de la date 3"/>
+          <p:cNvSpPr>
+            <a:spLocks noGrp="1"/>
+          </p:cNvSpPr>
+          <p:nvPr>
+            <p:ph type="dt" sz="half" idx="10"/>
+          </p:nvPr>
+        </p:nvSpPr>
+        <p:spPr/>
+        <p:txBody>
+          <a:bodyPr/>
+          <a:lstStyle/>
+          <a:p>
+            <a:r>
+              <a:rPr lang="fr-FR" smtClean="0"/>
+              <a:t>31 janvier 2012</a:t>
+            </a:r>
+            <a:endParaRPr lang="en-US"/>
+          </a:p>
+        </p:txBody>
+      </p:sp>
+      <p:sp>
+        <p:nvSpPr>
+          <p:cNvPr id="5" name="Espace réservé du pied de page 4"/>
+          <p:cNvSpPr>
+            <a:spLocks noGrp="1"/>
+          </p:cNvSpPr>
+          <p:nvPr>
+            <p:ph type="ftr" sz="quarter" idx="11"/>
+          </p:nvPr>
+        </p:nvSpPr>
+        <p:spPr/>
+        <p:txBody>
+          <a:bodyPr/>
+          <a:lstStyle/>
+          <a:p>
+            <a:r>
+              <a:rPr lang="fr-FR" smtClean="0"/>
+              <a:t>Programmation générique</a:t>
+            </a:r>
+            <a:endParaRPr lang="en-US"/>
+          </a:p>
+        </p:txBody>
+      </p:sp>
+      <p:sp>
+        <p:nvSpPr>
+          <p:cNvPr id="6" name="Espace réservé du numéro de diapositive 5"/>
+          <p:cNvSpPr>
+            <a:spLocks noGrp="1"/>
+          </p:cNvSpPr>
+          <p:nvPr>
+            <p:ph type="sldNum" sz="quarter" idx="12"/>
+          </p:nvPr>
+        </p:nvSpPr>
+        <p:spPr/>
+        <p:txBody>
+          <a:bodyPr/>
+          <a:lstStyle/>
+          <a:p>
+            <a:fld id="{8B37D5FE-740C-46F5-801A-FA5477D9711F}" type="slidenum">
+              <a:rPr lang="en-US" smtClean="0"/>
+              <a:pPr/>
+              <a:t>10</a:t>
+            </a:fld>
+            <a:endParaRPr lang="en-US"/>
+          </a:p>
+        </p:txBody>
+      </p:sp>
+    </p:spTree>
+  </p:cSld>
+  <p:clrMapOvr>
+    <a:masterClrMapping/>
+  </p:clrMapOvr>
+</p:sld>
+</file>
+
+<file path=ppt/slides/slide11.xml><?xml version="1.0" encoding="utf-8"?>
+<p:sld xmlns:a="http://schemas.openxmlformats.org/drawingml/2006/main" xmlns:r="http://schemas.openxmlformats.org/officeDocument/2006/relationships" xmlns:p="http://schemas.openxmlformats.org/presentationml/2006/main">
+  <p:cSld>
+    <p:spTree>
+      <p:nvGrpSpPr>
+        <p:cNvPr id="1" name=""/>
+        <p:cNvGrpSpPr/>
+        <p:nvPr/>
+      </p:nvGrpSpPr>
+      <p:grpSpPr>
+        <a:xfrm>
+          <a:off x="0" y="0"/>
+          <a:ext cx="0" cy="0"/>
+          <a:chOff x="0" y="0"/>
+          <a:chExt cx="0" cy="0"/>
+        </a:xfrm>
+      </p:grpSpPr>
+      <p:sp>
+        <p:nvSpPr>
+          <p:cNvPr id="2" name="Titre 1"/>
+          <p:cNvSpPr>
+            <a:spLocks noGrp="1"/>
+          </p:cNvSpPr>
+          <p:nvPr>
+            <p:ph type="title"/>
+          </p:nvPr>
+        </p:nvSpPr>
+        <p:spPr/>
+        <p:txBody>
+          <a:bodyPr/>
+          <a:lstStyle/>
+          <a:p>
+            <a:r>
+              <a:rPr lang="fr-FR" dirty="0" smtClean="0"/>
+              <a:t>Optimisation – La solution</a:t>
+            </a:r>
+            <a:endParaRPr lang="fr-FR" dirty="0"/>
+          </a:p>
+        </p:txBody>
+      </p:sp>
+      <p:sp>
+        <p:nvSpPr>
+          <p:cNvPr id="3" name="Espace réservé du contenu 2"/>
+          <p:cNvSpPr>
+            <a:spLocks noGrp="1"/>
+          </p:cNvSpPr>
+          <p:nvPr>
+            <p:ph idx="1"/>
+          </p:nvPr>
+        </p:nvSpPr>
+        <p:spPr/>
+        <p:txBody>
+          <a:bodyPr/>
+          <a:lstStyle/>
+          <a:p>
+            <a:r>
+              <a:rPr lang="fr-FR" dirty="0" smtClean="0"/>
+              <a:t>Création d’un sous-langage de manipulation des tableaux</a:t>
+            </a:r>
+          </a:p>
+          <a:p>
+            <a:pPr lvl="1"/>
+            <a:r>
+              <a:rPr lang="fr-FR" dirty="0" smtClean="0"/>
+              <a:t>Mise en place d’un AST</a:t>
+            </a:r>
+          </a:p>
+          <a:p>
+            <a:pPr lvl="1"/>
+            <a:endParaRPr lang="fr-FR" dirty="0" smtClean="0"/>
+          </a:p>
+          <a:p>
+            <a:r>
+              <a:rPr lang="fr-FR" dirty="0" smtClean="0"/>
+              <a:t>Gain de lisibilité</a:t>
+            </a:r>
+          </a:p>
+          <a:p>
+            <a:r>
+              <a:rPr lang="fr-FR" dirty="0" smtClean="0"/>
+              <a:t>Gain de temps d’exécution</a:t>
+            </a:r>
+          </a:p>
+          <a:p>
+            <a:r>
+              <a:rPr lang="fr-FR" dirty="0" smtClean="0"/>
+              <a:t>Réduction de l’occupation mémoire</a:t>
+            </a:r>
+            <a:endParaRPr lang="fr-FR" dirty="0"/>
+          </a:p>
+        </p:txBody>
+      </p:sp>
+      <p:sp>
+        <p:nvSpPr>
+          <p:cNvPr id="4" name="Espace réservé de la date 3"/>
+          <p:cNvSpPr>
+            <a:spLocks noGrp="1"/>
+          </p:cNvSpPr>
+          <p:nvPr>
+            <p:ph type="dt" sz="half" idx="10"/>
+          </p:nvPr>
+        </p:nvSpPr>
+        <p:spPr/>
+        <p:txBody>
+          <a:bodyPr/>
+          <a:lstStyle/>
+          <a:p>
+            <a:r>
+              <a:rPr lang="fr-FR" smtClean="0"/>
+              <a:t>31 janvier 2012</a:t>
+            </a:r>
+            <a:endParaRPr lang="en-US"/>
+          </a:p>
+        </p:txBody>
+      </p:sp>
+      <p:sp>
+        <p:nvSpPr>
+          <p:cNvPr id="5" name="Espace réservé du pied de page 4"/>
+          <p:cNvSpPr>
+            <a:spLocks noGrp="1"/>
+          </p:cNvSpPr>
+          <p:nvPr>
+            <p:ph type="ftr" sz="quarter" idx="11"/>
+          </p:nvPr>
+        </p:nvSpPr>
+        <p:spPr/>
+        <p:txBody>
+          <a:bodyPr/>
+          <a:lstStyle/>
+          <a:p>
+            <a:r>
+              <a:rPr lang="fr-FR" smtClean="0"/>
+              <a:t>Programmation générique</a:t>
+            </a:r>
+            <a:endParaRPr lang="en-US"/>
+          </a:p>
+        </p:txBody>
+      </p:sp>
+      <p:sp>
+        <p:nvSpPr>
+          <p:cNvPr id="6" name="Espace réservé du numéro de diapositive 5"/>
+          <p:cNvSpPr>
+            <a:spLocks noGrp="1"/>
+          </p:cNvSpPr>
+          <p:nvPr>
+            <p:ph type="sldNum" sz="quarter" idx="12"/>
+          </p:nvPr>
+        </p:nvSpPr>
+        <p:spPr/>
+        <p:txBody>
+          <a:bodyPr/>
+          <a:lstStyle/>
+          <a:p>
+            <a:fld id="{8B37D5FE-740C-46F5-801A-FA5477D9711F}" type="slidenum">
+              <a:rPr lang="en-US" smtClean="0"/>
+              <a:pPr/>
+              <a:t>11</a:t>
+            </a:fld>
+            <a:endParaRPr lang="en-US"/>
+          </a:p>
+        </p:txBody>
+      </p:sp>
+    </p:spTree>
+  </p:cSld>
+  <p:clrMapOvr>
+    <a:masterClrMapping/>
+  </p:clrMapOvr>
+</p:sld>
+</file>
+
+<file path=ppt/slides/slide12.xml><?xml version="1.0" encoding="utf-8"?>
+<p:sld xmlns:a="http://schemas.openxmlformats.org/drawingml/2006/main" xmlns:r="http://schemas.openxmlformats.org/officeDocument/2006/relationships" xmlns:p="http://schemas.openxmlformats.org/presentationml/2006/main">
+  <p:cSld>
+    <p:spTree>
+      <p:nvGrpSpPr>
+        <p:cNvPr id="1" name=""/>
+        <p:cNvGrpSpPr/>
+        <p:nvPr/>
+      </p:nvGrpSpPr>
+      <p:grpSpPr>
+        <a:xfrm>
+          <a:off x="0" y="0"/>
+          <a:ext cx="0" cy="0"/>
+          <a:chOff x="0" y="0"/>
+          <a:chExt cx="0" cy="0"/>
+        </a:xfrm>
+      </p:grpSpPr>
+      <p:sp>
+        <p:nvSpPr>
+          <p:cNvPr id="2" name="Titre 1"/>
+          <p:cNvSpPr>
+            <a:spLocks noGrp="1"/>
+          </p:cNvSpPr>
+          <p:nvPr>
+            <p:ph type="title"/>
+          </p:nvPr>
+        </p:nvSpPr>
+        <p:spPr/>
+        <p:txBody>
+          <a:bodyPr/>
+          <a:lstStyle/>
+          <a:p>
+            <a:pPr algn="ctr"/>
+            <a:r>
+              <a:rPr lang="fr-FR" dirty="0" smtClean="0"/>
+              <a:t>Merci de votre attention</a:t>
+            </a:r>
+            <a:endParaRPr lang="fr-FR" dirty="0"/>
+          </a:p>
+        </p:txBody>
+      </p:sp>
+      <p:sp>
+        <p:nvSpPr>
+          <p:cNvPr id="3" name="Espace réservé du contenu 2"/>
+          <p:cNvSpPr>
+            <a:spLocks noGrp="1"/>
+          </p:cNvSpPr>
+          <p:nvPr>
+            <p:ph idx="1"/>
+          </p:nvPr>
+        </p:nvSpPr>
+        <p:spPr/>
+        <p:txBody>
+          <a:bodyPr/>
+          <a:lstStyle/>
+          <a:p>
+            <a:endParaRPr lang="fr-FR" dirty="0" smtClean="0"/>
+          </a:p>
+          <a:p>
+            <a:endParaRPr lang="fr-FR" dirty="0" smtClean="0"/>
+          </a:p>
+          <a:p>
+            <a:endParaRPr lang="fr-FR" dirty="0" smtClean="0"/>
+          </a:p>
+          <a:p>
+            <a:pPr algn="ctr"/>
+            <a:r>
+              <a:rPr lang="fr-FR" dirty="0" smtClean="0"/>
+              <a:t>Des question ?</a:t>
+            </a:r>
+            <a:endParaRPr lang="fr-FR" dirty="0"/>
+          </a:p>
+        </p:txBody>
+      </p:sp>
+      <p:sp>
+        <p:nvSpPr>
+          <p:cNvPr id="4" name="Espace réservé de la date 3"/>
+          <p:cNvSpPr>
+            <a:spLocks noGrp="1"/>
+          </p:cNvSpPr>
+          <p:nvPr>
+            <p:ph type="dt" sz="half" idx="10"/>
+          </p:nvPr>
+        </p:nvSpPr>
+        <p:spPr/>
+        <p:txBody>
+          <a:bodyPr/>
+          <a:lstStyle/>
+          <a:p>
+            <a:r>
+              <a:rPr lang="fr-FR" smtClean="0"/>
+              <a:t>31 janvier 2012</a:t>
+            </a:r>
+            <a:endParaRPr lang="en-US"/>
+          </a:p>
+        </p:txBody>
+      </p:sp>
+      <p:sp>
+        <p:nvSpPr>
+          <p:cNvPr id="5" name="Espace réservé du pied de page 4"/>
+          <p:cNvSpPr>
+            <a:spLocks noGrp="1"/>
+          </p:cNvSpPr>
+          <p:nvPr>
+            <p:ph type="ftr" sz="quarter" idx="11"/>
+          </p:nvPr>
+        </p:nvSpPr>
+        <p:spPr/>
+        <p:txBody>
+          <a:bodyPr/>
+          <a:lstStyle/>
+          <a:p>
+            <a:r>
+              <a:rPr lang="fr-FR" smtClean="0"/>
+              <a:t>Programmation générique</a:t>
+            </a:r>
+            <a:endParaRPr lang="en-US"/>
+          </a:p>
+        </p:txBody>
+      </p:sp>
+      <p:sp>
+        <p:nvSpPr>
+          <p:cNvPr id="6" name="Espace réservé du numéro de diapositive 5"/>
+          <p:cNvSpPr>
+            <a:spLocks noGrp="1"/>
+          </p:cNvSpPr>
+          <p:nvPr>
+            <p:ph type="sldNum" sz="quarter" idx="12"/>
+          </p:nvPr>
+        </p:nvSpPr>
+        <p:spPr/>
+        <p:txBody>
+          <a:bodyPr/>
+          <a:lstStyle/>
+          <a:p>
+            <a:fld id="{8B37D5FE-740C-46F5-801A-FA5477D9711F}" type="slidenum">
+              <a:rPr lang="en-US" smtClean="0"/>
+              <a:pPr/>
+              <a:t>12</a:t>
+            </a:fld>
+            <a:endParaRPr lang="en-US"/>
+          </a:p>
+        </p:txBody>
+      </p:sp>
+    </p:spTree>
+    <p:extLst>
+      <p:ext uri="{BB962C8B-B14F-4D97-AF65-F5344CB8AC3E}">
+        <p14:creationId xmlns:p14="http://schemas.microsoft.com/office/powerpoint/2010/main" xmlns="" val="3036830686"/>
       </p:ext>
     </p:extLst>
   </p:cSld>
@@ -14609,7 +15129,9 @@
         </p:nvSpPr>
         <p:spPr/>
         <p:txBody>
-          <a:bodyPr/>
+          <a:bodyPr>
+            <a:normAutofit fontScale="85000" lnSpcReduction="20000"/>
+          </a:bodyPr>
           <a:lstStyle/>
           <a:p>
             <a:r>
@@ -14618,30 +15140,58 @@
             </a:r>
           </a:p>
           <a:p>
-            <a:endParaRPr lang="fr-FR" dirty="0"/>
+            <a:endParaRPr lang="fr-FR" dirty="0" smtClean="0"/>
           </a:p>
           <a:p>
             <a:r>
               <a:rPr lang="fr-FR" dirty="0" smtClean="0"/>
               <a:t>Organisation</a:t>
             </a:r>
-          </a:p>
-          <a:p>
-            <a:endParaRPr lang="fr-FR" dirty="0"/>
+            <a:endParaRPr lang="fr-FR" dirty="0" smtClean="0"/>
+          </a:p>
+          <a:p>
+            <a:endParaRPr lang="fr-FR" dirty="0" smtClean="0"/>
           </a:p>
           <a:p>
             <a:r>
               <a:rPr lang="fr-FR" dirty="0" smtClean="0"/>
               <a:t>Démarche</a:t>
             </a:r>
-          </a:p>
-          <a:p>
-            <a:endParaRPr lang="fr-FR" dirty="0"/>
+            <a:endParaRPr lang="fr-FR" dirty="0" smtClean="0"/>
+          </a:p>
+          <a:p>
+            <a:endParaRPr lang="fr-FR" dirty="0" smtClean="0"/>
           </a:p>
           <a:p>
             <a:r>
               <a:rPr lang="fr-FR" dirty="0" smtClean="0"/>
-              <a:t>Aide à la manipulation</a:t>
+              <a:t>Aide </a:t>
+            </a:r>
+            <a:r>
+              <a:rPr lang="fr-FR" dirty="0" smtClean="0"/>
+              <a:t>à la </a:t>
+            </a:r>
+            <a:r>
+              <a:rPr lang="fr-FR" dirty="0" smtClean="0"/>
+              <a:t>manipulation</a:t>
+            </a:r>
+          </a:p>
+          <a:p>
+            <a:endParaRPr lang="fr-FR" dirty="0" smtClean="0"/>
+          </a:p>
+          <a:p>
+            <a:r>
+              <a:rPr lang="fr-FR" dirty="0" smtClean="0"/>
+              <a:t>Notion de vue</a:t>
+            </a:r>
+          </a:p>
+          <a:p>
+            <a:endParaRPr lang="fr-FR" dirty="0" smtClean="0"/>
+          </a:p>
+          <a:p>
+            <a:r>
+              <a:rPr lang="fr-FR" dirty="0" smtClean="0"/>
+              <a:t>Optimisation</a:t>
             </a:r>
             <a:endParaRPr lang="fr-FR" dirty="0"/>
           </a:p>
@@ -14720,7 +15270,7 @@
     </p:spTree>
     <p:extLst>
       <p:ext uri="{BB962C8B-B14F-4D97-AF65-F5344CB8AC3E}">
-        <p14:creationId xmlns:p14="http://schemas.microsoft.com/office/powerpoint/2010/main" val="1440301670"/>
+        <p14:creationId xmlns:p14="http://schemas.microsoft.com/office/powerpoint/2010/main" xmlns="" val="1440301670"/>
       </p:ext>
     </p:extLst>
   </p:cSld>
@@ -14903,7 +15453,7 @@
     </p:spTree>
     <p:extLst>
       <p:ext uri="{BB962C8B-B14F-4D97-AF65-F5344CB8AC3E}">
-        <p14:creationId xmlns:p14="http://schemas.microsoft.com/office/powerpoint/2010/main" val="2856424184"/>
+        <p14:creationId xmlns:p14="http://schemas.microsoft.com/office/powerpoint/2010/main" xmlns="" val="2856424184"/>
       </p:ext>
     </p:extLst>
   </p:cSld>
@@ -15101,7 +15651,7 @@
     </p:spTree>
     <p:extLst>
       <p:ext uri="{BB962C8B-B14F-4D97-AF65-F5344CB8AC3E}">
-        <p14:creationId xmlns:p14="http://schemas.microsoft.com/office/powerpoint/2010/main" val="25221567"/>
+        <p14:creationId xmlns:p14="http://schemas.microsoft.com/office/powerpoint/2010/main" xmlns="" val="25221567"/>
       </p:ext>
     </p:extLst>
   </p:cSld>
@@ -15288,7 +15838,7 @@
     </p:spTree>
     <p:extLst>
       <p:ext uri="{BB962C8B-B14F-4D97-AF65-F5344CB8AC3E}">
-        <p14:creationId xmlns:p14="http://schemas.microsoft.com/office/powerpoint/2010/main" val="1589741967"/>
+        <p14:creationId xmlns:p14="http://schemas.microsoft.com/office/powerpoint/2010/main" xmlns="" val="1589741967"/>
       </p:ext>
     </p:extLst>
   </p:cSld>
@@ -15427,10 +15977,10 @@
           <p:nvPr/>
         </p:nvPicPr>
         <p:blipFill>
-          <a:blip r:embed="rId2">
+          <a:blip r:embed="rId2" cstate="print">
             <a:extLst>
               <a:ext uri="{28A0092B-C50C-407E-A947-70E740481C1C}">
-                <a14:useLocalDpi xmlns:a14="http://schemas.microsoft.com/office/drawing/2010/main" val="0"/>
+                <a14:useLocalDpi xmlns:a14="http://schemas.microsoft.com/office/drawing/2010/main" xmlns="" val="0"/>
               </a:ext>
             </a:extLst>
           </a:blip>
@@ -15523,7 +16073,7 @@
     </p:spTree>
     <p:extLst>
       <p:ext uri="{BB962C8B-B14F-4D97-AF65-F5344CB8AC3E}">
-        <p14:creationId xmlns:p14="http://schemas.microsoft.com/office/powerpoint/2010/main" val="1353844259"/>
+        <p14:creationId xmlns:p14="http://schemas.microsoft.com/office/powerpoint/2010/main" xmlns="" val="1353844259"/>
       </p:ext>
     </p:extLst>
   </p:cSld>
@@ -15744,7 +16294,7 @@
     </p:spTree>
     <p:extLst>
       <p:ext uri="{BB962C8B-B14F-4D97-AF65-F5344CB8AC3E}">
-        <p14:creationId xmlns:p14="http://schemas.microsoft.com/office/powerpoint/2010/main" val="1533511154"/>
+        <p14:creationId xmlns:p14="http://schemas.microsoft.com/office/powerpoint/2010/main" xmlns="" val="1533511154"/>
       </p:ext>
     </p:extLst>
   </p:cSld>
@@ -15929,7 +16479,7 @@
     </p:spTree>
     <p:extLst>
       <p:ext uri="{BB962C8B-B14F-4D97-AF65-F5344CB8AC3E}">
-        <p14:creationId xmlns:p14="http://schemas.microsoft.com/office/powerpoint/2010/main" val="738487526"/>
+        <p14:creationId xmlns:p14="http://schemas.microsoft.com/office/powerpoint/2010/main" xmlns="" val="738487526"/>
       </p:ext>
     </p:extLst>
   </p:cSld>
@@ -15971,10 +16521,9 @@
           <a:bodyPr/>
           <a:lstStyle/>
           <a:p>
-            <a:pPr algn="ctr"/>
             <a:r>
               <a:rPr lang="fr-FR" dirty="0" smtClean="0"/>
-              <a:t>Merci de votre attention</a:t>
+              <a:t>Notion de vue</a:t>
             </a:r>
             <a:endParaRPr lang="fr-FR" dirty="0"/>
           </a:p>
@@ -15995,19 +16544,55 @@
           <a:bodyPr/>
           <a:lstStyle/>
           <a:p>
+            <a:r>
+              <a:rPr lang="fr-FR" dirty="0" smtClean="0"/>
+              <a:t>Permet de supporter les types natifs</a:t>
+            </a:r>
+          </a:p>
+          <a:p>
+            <a:pPr lvl="1"/>
+            <a:r>
+              <a:rPr lang="fr-FR" dirty="0" smtClean="0"/>
+              <a:t>Tableaux (</a:t>
+            </a:r>
+            <a:r>
+              <a:rPr lang="fr-FR" dirty="0" err="1" smtClean="0"/>
+              <a:t>int</a:t>
+            </a:r>
+            <a:r>
+              <a:rPr lang="fr-FR" dirty="0" smtClean="0"/>
+              <a:t>[20])</a:t>
+            </a:r>
+          </a:p>
+          <a:p>
+            <a:pPr lvl="1"/>
+            <a:r>
+              <a:rPr lang="fr-FR" dirty="0" smtClean="0"/>
+              <a:t>Pointeurs (</a:t>
+            </a:r>
+            <a:r>
+              <a:rPr lang="fr-FR" dirty="0" err="1" smtClean="0"/>
+              <a:t>doube</a:t>
+            </a:r>
+            <a:r>
+              <a:rPr lang="fr-FR" dirty="0" smtClean="0"/>
+              <a:t>***)</a:t>
+            </a:r>
+          </a:p>
+          <a:p>
             <a:endParaRPr lang="fr-FR" dirty="0" smtClean="0"/>
           </a:p>
           <a:p>
-            <a:endParaRPr lang="fr-FR" dirty="0" smtClean="0"/>
-          </a:p>
-          <a:p>
-            <a:endParaRPr lang="fr-FR" dirty="0" smtClean="0"/>
-          </a:p>
-          <a:p>
-            <a:pPr algn="ctr"/>
             <a:r>
               <a:rPr lang="fr-FR" dirty="0" smtClean="0"/>
-              <a:t>Des question ?</a:t>
+              <a:t>Ajoute une fonctionnalité de sélection de sous-espace</a:t>
+            </a:r>
+          </a:p>
+          <a:p>
+            <a:pPr lvl="1"/>
+            <a:r>
+              <a:rPr lang="fr-FR" dirty="0" smtClean="0"/>
+              <a:t>Cas d’application : matrices</a:t>
             </a:r>
             <a:endParaRPr lang="fr-FR" dirty="0"/>
           </a:p>
@@ -16084,11 +16669,6 @@
         </p:txBody>
       </p:sp>
     </p:spTree>
-    <p:extLst>
-      <p:ext uri="{BB962C8B-B14F-4D97-AF65-F5344CB8AC3E}">
-        <p14:creationId xmlns:p14="http://schemas.microsoft.com/office/powerpoint/2010/main" val="3036830686"/>
-      </p:ext>
-    </p:extLst>
   </p:cSld>
   <p:clrMapOvr>
     <a:masterClrMapping/>
